--- a/NewThesis/LaTex-template-package/Drawing4/overview2.pptx
+++ b/NewThesis/LaTex-template-package/Drawing4/overview2.pptx
@@ -197,7 +197,7 @@
           <a:p>
             <a:fld id="{69439091-2C92-4D7B-9ACF-2E96006E9DBD}" type="datetimeFigureOut">
               <a:rPr lang="en-US" smtClean="0"/>
-              <a:t>5/28/2016</a:t>
+              <a:t>7/21/2016</a:t>
             </a:fld>
             <a:endParaRPr lang="en-US"/>
           </a:p>
@@ -685,7 +685,7 @@
           <a:p>
             <a:fld id="{034EC1D1-0E05-47D0-B125-0ACF846A4397}" type="datetimeFigureOut">
               <a:rPr lang="en-US" smtClean="0"/>
-              <a:t>5/28/2016</a:t>
+              <a:t>7/21/2016</a:t>
             </a:fld>
             <a:endParaRPr lang="en-US"/>
           </a:p>
@@ -855,7 +855,7 @@
           <a:p>
             <a:fld id="{034EC1D1-0E05-47D0-B125-0ACF846A4397}" type="datetimeFigureOut">
               <a:rPr lang="en-US" smtClean="0"/>
-              <a:t>5/28/2016</a:t>
+              <a:t>7/21/2016</a:t>
             </a:fld>
             <a:endParaRPr lang="en-US"/>
           </a:p>
@@ -1035,7 +1035,7 @@
           <a:p>
             <a:fld id="{034EC1D1-0E05-47D0-B125-0ACF846A4397}" type="datetimeFigureOut">
               <a:rPr lang="en-US" smtClean="0"/>
-              <a:t>5/28/2016</a:t>
+              <a:t>7/21/2016</a:t>
             </a:fld>
             <a:endParaRPr lang="en-US"/>
           </a:p>
@@ -1205,7 +1205,7 @@
           <a:p>
             <a:fld id="{034EC1D1-0E05-47D0-B125-0ACF846A4397}" type="datetimeFigureOut">
               <a:rPr lang="en-US" smtClean="0"/>
-              <a:t>5/28/2016</a:t>
+              <a:t>7/21/2016</a:t>
             </a:fld>
             <a:endParaRPr lang="en-US"/>
           </a:p>
@@ -1451,7 +1451,7 @@
           <a:p>
             <a:fld id="{034EC1D1-0E05-47D0-B125-0ACF846A4397}" type="datetimeFigureOut">
               <a:rPr lang="en-US" smtClean="0"/>
-              <a:t>5/28/2016</a:t>
+              <a:t>7/21/2016</a:t>
             </a:fld>
             <a:endParaRPr lang="en-US"/>
           </a:p>
@@ -1683,7 +1683,7 @@
           <a:p>
             <a:fld id="{034EC1D1-0E05-47D0-B125-0ACF846A4397}" type="datetimeFigureOut">
               <a:rPr lang="en-US" smtClean="0"/>
-              <a:t>5/28/2016</a:t>
+              <a:t>7/21/2016</a:t>
             </a:fld>
             <a:endParaRPr lang="en-US"/>
           </a:p>
@@ -2050,7 +2050,7 @@
           <a:p>
             <a:fld id="{034EC1D1-0E05-47D0-B125-0ACF846A4397}" type="datetimeFigureOut">
               <a:rPr lang="en-US" smtClean="0"/>
-              <a:t>5/28/2016</a:t>
+              <a:t>7/21/2016</a:t>
             </a:fld>
             <a:endParaRPr lang="en-US"/>
           </a:p>
@@ -2168,7 +2168,7 @@
           <a:p>
             <a:fld id="{034EC1D1-0E05-47D0-B125-0ACF846A4397}" type="datetimeFigureOut">
               <a:rPr lang="en-US" smtClean="0"/>
-              <a:t>5/28/2016</a:t>
+              <a:t>7/21/2016</a:t>
             </a:fld>
             <a:endParaRPr lang="en-US"/>
           </a:p>
@@ -2263,7 +2263,7 @@
           <a:p>
             <a:fld id="{034EC1D1-0E05-47D0-B125-0ACF846A4397}" type="datetimeFigureOut">
               <a:rPr lang="en-US" smtClean="0"/>
-              <a:t>5/28/2016</a:t>
+              <a:t>7/21/2016</a:t>
             </a:fld>
             <a:endParaRPr lang="en-US"/>
           </a:p>
@@ -2540,7 +2540,7 @@
           <a:p>
             <a:fld id="{034EC1D1-0E05-47D0-B125-0ACF846A4397}" type="datetimeFigureOut">
               <a:rPr lang="en-US" smtClean="0"/>
-              <a:t>5/28/2016</a:t>
+              <a:t>7/21/2016</a:t>
             </a:fld>
             <a:endParaRPr lang="en-US"/>
           </a:p>
@@ -2797,7 +2797,7 @@
           <a:p>
             <a:fld id="{034EC1D1-0E05-47D0-B125-0ACF846A4397}" type="datetimeFigureOut">
               <a:rPr lang="en-US" smtClean="0"/>
-              <a:t>5/28/2016</a:t>
+              <a:t>7/21/2016</a:t>
             </a:fld>
             <a:endParaRPr lang="en-US"/>
           </a:p>
@@ -3010,7 +3010,7 @@
           <a:p>
             <a:fld id="{034EC1D1-0E05-47D0-B125-0ACF846A4397}" type="datetimeFigureOut">
               <a:rPr lang="en-US" smtClean="0"/>
-              <a:t>5/28/2016</a:t>
+              <a:t>7/21/2016</a:t>
             </a:fld>
             <a:endParaRPr lang="en-US"/>
           </a:p>
@@ -3478,13 +3478,13 @@
       </p:sp>
       <p:sp>
         <p:nvSpPr>
-          <p:cNvPr id="71" name="Rectangle 70"/>
+          <p:cNvPr id="19" name="Rectangle 18"/>
           <p:cNvSpPr/>
           <p:nvPr/>
         </p:nvSpPr>
         <p:spPr>
           <a:xfrm>
-            <a:off x="5396792" y="683864"/>
+            <a:off x="1209614" y="6881276"/>
             <a:ext cx="1788459" cy="899883"/>
           </a:xfrm>
           <a:prstGeom prst="rect">
@@ -3529,57 +3529,6 @@
       </p:sp>
       <p:sp>
         <p:nvSpPr>
-          <p:cNvPr id="19" name="Rectangle 18"/>
-          <p:cNvSpPr/>
-          <p:nvPr/>
-        </p:nvSpPr>
-        <p:spPr>
-          <a:xfrm>
-            <a:off x="1209614" y="6881276"/>
-            <a:ext cx="1788459" cy="899883"/>
-          </a:xfrm>
-          <a:prstGeom prst="rect">
-            <a:avLst/>
-          </a:prstGeom>
-          <a:solidFill>
-            <a:schemeClr val="accent1">
-              <a:lumMod val="40000"/>
-              <a:lumOff val="60000"/>
-            </a:schemeClr>
-          </a:solidFill>
-        </p:spPr>
-        <p:style>
-          <a:lnRef idx="2">
-            <a:schemeClr val="accent1">
-              <a:shade val="50000"/>
-            </a:schemeClr>
-          </a:lnRef>
-          <a:fillRef idx="1">
-            <a:schemeClr val="accent1"/>
-          </a:fillRef>
-          <a:effectRef idx="0">
-            <a:schemeClr val="accent1"/>
-          </a:effectRef>
-          <a:fontRef idx="minor">
-            <a:schemeClr val="lt1"/>
-          </a:fontRef>
-        </p:style>
-        <p:txBody>
-          <a:bodyPr rot="0" spcFirstLastPara="0" vertOverflow="overflow" horzOverflow="overflow" vert="horz" wrap="square" lIns="91440" tIns="45720" rIns="91440" bIns="45720" numCol="1" spcCol="0" rtlCol="0" fromWordArt="0" anchor="ctr" anchorCtr="0" forceAA="0" compatLnSpc="1">
-            <a:prstTxWarp prst="textNoShape">
-              <a:avLst/>
-            </a:prstTxWarp>
-            <a:noAutofit/>
-          </a:bodyPr>
-          <a:lstStyle/>
-          <a:p>
-            <a:pPr algn="ctr"/>
-            <a:endParaRPr lang="en-US"/>
-          </a:p>
-        </p:txBody>
-      </p:sp>
-      <p:sp>
-        <p:nvSpPr>
           <p:cNvPr id="6" name="TextBox 5"/>
           <p:cNvSpPr txBox="1"/>
           <p:nvPr/>
@@ -3632,35 +3581,6 @@
             <a:r>
               <a:rPr lang="en-US" dirty="0"/>
               <a:t>AUAST ABC</a:t>
-            </a:r>
-          </a:p>
-        </p:txBody>
-      </p:sp>
-      <p:sp>
-        <p:nvSpPr>
-          <p:cNvPr id="53" name="TextBox 52"/>
-          <p:cNvSpPr txBox="1"/>
-          <p:nvPr/>
-        </p:nvSpPr>
-        <p:spPr>
-          <a:xfrm>
-            <a:off x="5486842" y="905912"/>
-            <a:ext cx="1698409" cy="420243"/>
-          </a:xfrm>
-          <a:prstGeom prst="rect">
-            <a:avLst/>
-          </a:prstGeom>
-          <a:noFill/>
-        </p:spPr>
-        <p:txBody>
-          <a:bodyPr wrap="square" rtlCol="0">
-            <a:spAutoFit/>
-          </a:bodyPr>
-          <a:lstStyle/>
-          <a:p>
-            <a:r>
-              <a:rPr lang="en-US" dirty="0"/>
-              <a:t>AUAST ABCD</a:t>
             </a:r>
           </a:p>
         </p:txBody>
@@ -4151,28 +4071,23 @@
       </p:cxnSp>
       <p:cxnSp>
         <p:nvCxnSpPr>
-          <p:cNvPr id="90" name="Elbow Connector 89"/>
-          <p:cNvCxnSpPr>
-            <a:stCxn id="66" idx="0"/>
-            <a:endCxn id="71" idx="2"/>
-          </p:cNvCxnSpPr>
+          <p:cNvPr id="105" name="Straight Connector 104"/>
+          <p:cNvCxnSpPr/>
           <p:nvPr/>
         </p:nvCxnSpPr>
         <p:spPr>
-          <a:xfrm rot="16200000" flipV="1">
-            <a:off x="6233958" y="1640811"/>
-            <a:ext cx="5267830" cy="5153701"/>
-          </a:xfrm>
-          <a:prstGeom prst="bentConnector3">
-            <a:avLst>
-              <a:gd name="adj1" fmla="val 86204"/>
-            </a:avLst>
+          <a:xfrm>
+            <a:off x="550547" y="4475536"/>
+            <a:ext cx="12667129" cy="29139"/>
+          </a:xfrm>
+          <a:prstGeom prst="line">
+            <a:avLst/>
           </a:prstGeom>
           <a:ln>
             <a:solidFill>
               <a:schemeClr val="tx1"/>
             </a:solidFill>
-            <a:tailEnd type="triangle"/>
+            <a:prstDash val="lgDashDot"/>
           </a:ln>
         </p:spPr>
         <p:style>
@@ -4190,30 +4105,351 @@
           </a:fontRef>
         </p:style>
       </p:cxnSp>
+      <p:sp>
+        <p:nvSpPr>
+          <p:cNvPr id="2" name="TextBox 1"/>
+          <p:cNvSpPr txBox="1"/>
+          <p:nvPr/>
+        </p:nvSpPr>
+        <p:spPr>
+          <a:xfrm>
+            <a:off x="534682" y="3977863"/>
+            <a:ext cx="1647546" cy="420243"/>
+          </a:xfrm>
+          <a:prstGeom prst="rect">
+            <a:avLst/>
+          </a:prstGeom>
+          <a:noFill/>
+        </p:spPr>
+        <p:txBody>
+          <a:bodyPr wrap="square" rtlCol="0">
+            <a:spAutoFit/>
+          </a:bodyPr>
+          <a:lstStyle/>
+          <a:p>
+            <a:r>
+              <a:rPr lang="en-US" dirty="0" smtClean="0"/>
+              <a:t>Threshold A</a:t>
+            </a:r>
+            <a:endParaRPr lang="en-US" dirty="0"/>
+          </a:p>
+        </p:txBody>
+      </p:sp>
+      <p:sp>
+        <p:nvSpPr>
+          <p:cNvPr id="25" name="TextBox 24"/>
+          <p:cNvSpPr txBox="1"/>
+          <p:nvPr/>
+        </p:nvSpPr>
+        <p:spPr>
+          <a:xfrm>
+            <a:off x="562834" y="1788130"/>
+            <a:ext cx="1647546" cy="420243"/>
+          </a:xfrm>
+          <a:prstGeom prst="rect">
+            <a:avLst/>
+          </a:prstGeom>
+          <a:noFill/>
+        </p:spPr>
+        <p:txBody>
+          <a:bodyPr wrap="square" rtlCol="0">
+            <a:spAutoFit/>
+          </a:bodyPr>
+          <a:lstStyle/>
+          <a:p>
+            <a:r>
+              <a:rPr lang="en-US" dirty="0" smtClean="0"/>
+              <a:t>Threshold B</a:t>
+            </a:r>
+            <a:endParaRPr lang="en-US" dirty="0"/>
+          </a:p>
+        </p:txBody>
+      </p:sp>
+      <p:sp>
+        <p:nvSpPr>
+          <p:cNvPr id="3" name="TextBox 2"/>
+          <p:cNvSpPr txBox="1"/>
+          <p:nvPr/>
+        </p:nvSpPr>
+        <p:spPr>
+          <a:xfrm>
+            <a:off x="2906826" y="5939604"/>
+            <a:ext cx="1918028" cy="420243"/>
+          </a:xfrm>
+          <a:prstGeom prst="rect">
+            <a:avLst/>
+          </a:prstGeom>
+        </p:spPr>
+        <p:style>
+          <a:lnRef idx="1">
+            <a:schemeClr val="accent6"/>
+          </a:lnRef>
+          <a:fillRef idx="2">
+            <a:schemeClr val="accent6"/>
+          </a:fillRef>
+          <a:effectRef idx="1">
+            <a:schemeClr val="accent6"/>
+          </a:effectRef>
+          <a:fontRef idx="minor">
+            <a:schemeClr val="dk1"/>
+          </a:fontRef>
+        </p:style>
+        <p:txBody>
+          <a:bodyPr wrap="square" rtlCol="0">
+            <a:spAutoFit/>
+          </a:bodyPr>
+          <a:lstStyle/>
+          <a:p>
+            <a:r>
+              <a:rPr lang="en-US" dirty="0" smtClean="0"/>
+              <a:t>Anti-unification</a:t>
+            </a:r>
+            <a:endParaRPr lang="en-US" dirty="0"/>
+          </a:p>
+        </p:txBody>
+      </p:sp>
+      <p:sp>
+        <p:nvSpPr>
+          <p:cNvPr id="27" name="TextBox 26"/>
+          <p:cNvSpPr txBox="1"/>
+          <p:nvPr/>
+        </p:nvSpPr>
+        <p:spPr>
+          <a:xfrm>
+            <a:off x="3989492" y="3947641"/>
+            <a:ext cx="1918028" cy="420243"/>
+          </a:xfrm>
+          <a:prstGeom prst="rect">
+            <a:avLst/>
+          </a:prstGeom>
+        </p:spPr>
+        <p:style>
+          <a:lnRef idx="1">
+            <a:schemeClr val="accent6"/>
+          </a:lnRef>
+          <a:fillRef idx="2">
+            <a:schemeClr val="accent6"/>
+          </a:fillRef>
+          <a:effectRef idx="1">
+            <a:schemeClr val="accent6"/>
+          </a:effectRef>
+          <a:fontRef idx="minor">
+            <a:schemeClr val="dk1"/>
+          </a:fontRef>
+        </p:style>
+        <p:txBody>
+          <a:bodyPr wrap="square" rtlCol="0">
+            <a:spAutoFit/>
+          </a:bodyPr>
+          <a:lstStyle/>
+          <a:p>
+            <a:r>
+              <a:rPr lang="en-US" dirty="0" smtClean="0"/>
+              <a:t>Anti-unification</a:t>
+            </a:r>
+            <a:endParaRPr lang="en-US" dirty="0"/>
+          </a:p>
+        </p:txBody>
+      </p:sp>
+      <p:sp>
+        <p:nvSpPr>
+          <p:cNvPr id="4" name="TextBox 3"/>
+          <p:cNvSpPr txBox="1"/>
+          <p:nvPr/>
+        </p:nvSpPr>
+        <p:spPr>
+          <a:xfrm>
+            <a:off x="1513935" y="7781159"/>
+            <a:ext cx="1392891" cy="420243"/>
+          </a:xfrm>
+          <a:prstGeom prst="rect">
+            <a:avLst/>
+          </a:prstGeom>
+          <a:noFill/>
+        </p:spPr>
+        <p:txBody>
+          <a:bodyPr wrap="square" rtlCol="0">
+            <a:spAutoFit/>
+          </a:bodyPr>
+          <a:lstStyle/>
+          <a:p>
+            <a:r>
+              <a:rPr lang="en-US" dirty="0" smtClean="0"/>
+              <a:t>Cluster 1</a:t>
+            </a:r>
+            <a:endParaRPr lang="en-US" dirty="0"/>
+          </a:p>
+        </p:txBody>
+      </p:sp>
+      <p:sp>
+        <p:nvSpPr>
+          <p:cNvPr id="30" name="TextBox 29"/>
+          <p:cNvSpPr txBox="1"/>
+          <p:nvPr/>
+        </p:nvSpPr>
+        <p:spPr>
+          <a:xfrm>
+            <a:off x="4943155" y="7797059"/>
+            <a:ext cx="1392891" cy="420243"/>
+          </a:xfrm>
+          <a:prstGeom prst="rect">
+            <a:avLst/>
+          </a:prstGeom>
+          <a:noFill/>
+        </p:spPr>
+        <p:txBody>
+          <a:bodyPr wrap="square" rtlCol="0">
+            <a:spAutoFit/>
+          </a:bodyPr>
+          <a:lstStyle/>
+          <a:p>
+            <a:r>
+              <a:rPr lang="en-US" dirty="0" smtClean="0"/>
+              <a:t>Cluster 2</a:t>
+            </a:r>
+            <a:endParaRPr lang="en-US" dirty="0"/>
+          </a:p>
+        </p:txBody>
+      </p:sp>
+      <p:sp>
+        <p:nvSpPr>
+          <p:cNvPr id="31" name="TextBox 30"/>
+          <p:cNvSpPr txBox="1"/>
+          <p:nvPr/>
+        </p:nvSpPr>
+        <p:spPr>
+          <a:xfrm>
+            <a:off x="8069660" y="7751458"/>
+            <a:ext cx="1392891" cy="420243"/>
+          </a:xfrm>
+          <a:prstGeom prst="rect">
+            <a:avLst/>
+          </a:prstGeom>
+          <a:noFill/>
+        </p:spPr>
+        <p:txBody>
+          <a:bodyPr wrap="square" rtlCol="0">
+            <a:spAutoFit/>
+          </a:bodyPr>
+          <a:lstStyle/>
+          <a:p>
+            <a:r>
+              <a:rPr lang="en-US" dirty="0" smtClean="0"/>
+              <a:t>Cluster 3</a:t>
+            </a:r>
+            <a:endParaRPr lang="en-US" dirty="0"/>
+          </a:p>
+        </p:txBody>
+      </p:sp>
+      <p:sp>
+        <p:nvSpPr>
+          <p:cNvPr id="32" name="TextBox 31"/>
+          <p:cNvSpPr txBox="1"/>
+          <p:nvPr/>
+        </p:nvSpPr>
+        <p:spPr>
+          <a:xfrm>
+            <a:off x="10962369" y="7797059"/>
+            <a:ext cx="1392891" cy="420243"/>
+          </a:xfrm>
+          <a:prstGeom prst="rect">
+            <a:avLst/>
+          </a:prstGeom>
+          <a:noFill/>
+        </p:spPr>
+        <p:txBody>
+          <a:bodyPr wrap="square" rtlCol="0">
+            <a:spAutoFit/>
+          </a:bodyPr>
+          <a:lstStyle/>
+          <a:p>
+            <a:r>
+              <a:rPr lang="en-US" dirty="0" smtClean="0"/>
+              <a:t>Cluster 4</a:t>
+            </a:r>
+            <a:endParaRPr lang="en-US" dirty="0"/>
+          </a:p>
+        </p:txBody>
+      </p:sp>
+      <p:sp>
+        <p:nvSpPr>
+          <p:cNvPr id="33" name="TextBox 32"/>
+          <p:cNvSpPr txBox="1"/>
+          <p:nvPr/>
+        </p:nvSpPr>
+        <p:spPr>
+          <a:xfrm>
+            <a:off x="4750876" y="4876741"/>
+            <a:ext cx="1392891" cy="420243"/>
+          </a:xfrm>
+          <a:prstGeom prst="rect">
+            <a:avLst/>
+          </a:prstGeom>
+          <a:noFill/>
+        </p:spPr>
+        <p:txBody>
+          <a:bodyPr wrap="square" rtlCol="0">
+            <a:spAutoFit/>
+          </a:bodyPr>
+          <a:lstStyle/>
+          <a:p>
+            <a:r>
+              <a:rPr lang="en-US" dirty="0" smtClean="0"/>
+              <a:t>Cluster 5</a:t>
+            </a:r>
+            <a:endParaRPr lang="en-US" dirty="0"/>
+          </a:p>
+        </p:txBody>
+      </p:sp>
+      <p:sp>
+        <p:nvSpPr>
+          <p:cNvPr id="34" name="TextBox 33"/>
+          <p:cNvSpPr txBox="1"/>
+          <p:nvPr/>
+        </p:nvSpPr>
+        <p:spPr>
+          <a:xfrm>
+            <a:off x="5547051" y="2905532"/>
+            <a:ext cx="1392891" cy="420243"/>
+          </a:xfrm>
+          <a:prstGeom prst="rect">
+            <a:avLst/>
+          </a:prstGeom>
+          <a:noFill/>
+        </p:spPr>
+        <p:txBody>
+          <a:bodyPr wrap="square" rtlCol="0">
+            <a:spAutoFit/>
+          </a:bodyPr>
+          <a:lstStyle/>
+          <a:p>
+            <a:r>
+              <a:rPr lang="en-US" dirty="0" smtClean="0"/>
+              <a:t>Cluster 6</a:t>
+            </a:r>
+            <a:endParaRPr lang="en-US" dirty="0"/>
+          </a:p>
+        </p:txBody>
+      </p:sp>
       <p:cxnSp>
         <p:nvCxnSpPr>
-          <p:cNvPr id="94" name="Elbow Connector 93"/>
-          <p:cNvCxnSpPr>
-            <a:stCxn id="89" idx="0"/>
-            <a:endCxn id="71" idx="2"/>
-          </p:cNvCxnSpPr>
+          <p:cNvPr id="36" name="Straight Connector 35"/>
+          <p:cNvCxnSpPr/>
           <p:nvPr/>
         </p:nvCxnSpPr>
         <p:spPr>
-          <a:xfrm rot="5400000" flipH="1" flipV="1">
-            <a:off x="4905215" y="1282156"/>
-            <a:ext cx="1084215" cy="1687399"/>
-          </a:xfrm>
-          <a:prstGeom prst="bentConnector3">
-            <a:avLst>
-              <a:gd name="adj1" fmla="val 33133"/>
-            </a:avLst>
+          <a:xfrm>
+            <a:off x="606377" y="2370318"/>
+            <a:ext cx="12667129" cy="29139"/>
+          </a:xfrm>
+          <a:prstGeom prst="line">
+            <a:avLst/>
           </a:prstGeom>
           <a:ln>
             <a:solidFill>
               <a:schemeClr val="tx1"/>
             </a:solidFill>
-            <a:tailEnd type="triangle"/>
+            <a:prstDash val="lgDashDot"/>
           </a:ln>
         </p:spPr>
         <p:style>
@@ -4231,477 +4467,6 @@
           </a:fontRef>
         </p:style>
       </p:cxnSp>
-      <p:cxnSp>
-        <p:nvCxnSpPr>
-          <p:cNvPr id="104" name="Straight Connector 103"/>
-          <p:cNvCxnSpPr/>
-          <p:nvPr/>
-        </p:nvCxnSpPr>
-        <p:spPr>
-          <a:xfrm>
-            <a:off x="624712" y="2046241"/>
-            <a:ext cx="12667129" cy="29139"/>
-          </a:xfrm>
-          <a:prstGeom prst="line">
-            <a:avLst/>
-          </a:prstGeom>
-          <a:ln>
-            <a:solidFill>
-              <a:schemeClr val="tx1"/>
-            </a:solidFill>
-            <a:prstDash val="lgDashDot"/>
-          </a:ln>
-        </p:spPr>
-        <p:style>
-          <a:lnRef idx="1">
-            <a:schemeClr val="accent1"/>
-          </a:lnRef>
-          <a:fillRef idx="0">
-            <a:schemeClr val="accent1"/>
-          </a:fillRef>
-          <a:effectRef idx="0">
-            <a:schemeClr val="accent1"/>
-          </a:effectRef>
-          <a:fontRef idx="minor">
-            <a:schemeClr val="tx1"/>
-          </a:fontRef>
-        </p:style>
-      </p:cxnSp>
-      <p:cxnSp>
-        <p:nvCxnSpPr>
-          <p:cNvPr id="105" name="Straight Connector 104"/>
-          <p:cNvCxnSpPr/>
-          <p:nvPr/>
-        </p:nvCxnSpPr>
-        <p:spPr>
-          <a:xfrm>
-            <a:off x="573140" y="3848235"/>
-            <a:ext cx="12667129" cy="29139"/>
-          </a:xfrm>
-          <a:prstGeom prst="line">
-            <a:avLst/>
-          </a:prstGeom>
-          <a:ln>
-            <a:solidFill>
-              <a:schemeClr val="tx1"/>
-            </a:solidFill>
-            <a:prstDash val="lgDashDot"/>
-          </a:ln>
-        </p:spPr>
-        <p:style>
-          <a:lnRef idx="1">
-            <a:schemeClr val="accent1"/>
-          </a:lnRef>
-          <a:fillRef idx="0">
-            <a:schemeClr val="accent1"/>
-          </a:fillRef>
-          <a:effectRef idx="0">
-            <a:schemeClr val="accent1"/>
-          </a:effectRef>
-          <a:fontRef idx="minor">
-            <a:schemeClr val="tx1"/>
-          </a:fontRef>
-        </p:style>
-      </p:cxnSp>
-      <p:sp>
-        <p:nvSpPr>
-          <p:cNvPr id="2" name="TextBox 1"/>
-          <p:cNvSpPr txBox="1"/>
-          <p:nvPr/>
-        </p:nvSpPr>
-        <p:spPr>
-          <a:xfrm>
-            <a:off x="573140" y="1326155"/>
-            <a:ext cx="1647546" cy="420243"/>
-          </a:xfrm>
-          <a:prstGeom prst="rect">
-            <a:avLst/>
-          </a:prstGeom>
-          <a:noFill/>
-        </p:spPr>
-        <p:txBody>
-          <a:bodyPr wrap="square" rtlCol="0">
-            <a:spAutoFit/>
-          </a:bodyPr>
-          <a:lstStyle/>
-          <a:p>
-            <a:r>
-              <a:rPr lang="en-US" dirty="0" smtClean="0"/>
-              <a:t>Threshold A</a:t>
-            </a:r>
-            <a:endParaRPr lang="en-US" dirty="0"/>
-          </a:p>
-        </p:txBody>
-      </p:sp>
-      <p:sp>
-        <p:nvSpPr>
-          <p:cNvPr id="25" name="TextBox 24"/>
-          <p:cNvSpPr txBox="1"/>
-          <p:nvPr/>
-        </p:nvSpPr>
-        <p:spPr>
-          <a:xfrm>
-            <a:off x="557333" y="3287796"/>
-            <a:ext cx="1647546" cy="420243"/>
-          </a:xfrm>
-          <a:prstGeom prst="rect">
-            <a:avLst/>
-          </a:prstGeom>
-          <a:noFill/>
-        </p:spPr>
-        <p:txBody>
-          <a:bodyPr wrap="square" rtlCol="0">
-            <a:spAutoFit/>
-          </a:bodyPr>
-          <a:lstStyle/>
-          <a:p>
-            <a:r>
-              <a:rPr lang="en-US" smtClean="0"/>
-              <a:t>Threshold B</a:t>
-            </a:r>
-            <a:endParaRPr lang="en-US" dirty="0"/>
-          </a:p>
-        </p:txBody>
-      </p:sp>
-      <p:sp>
-        <p:nvSpPr>
-          <p:cNvPr id="3" name="TextBox 2"/>
-          <p:cNvSpPr txBox="1"/>
-          <p:nvPr/>
-        </p:nvSpPr>
-        <p:spPr>
-          <a:xfrm>
-            <a:off x="2906826" y="5939604"/>
-            <a:ext cx="1918028" cy="420243"/>
-          </a:xfrm>
-          <a:prstGeom prst="rect">
-            <a:avLst/>
-          </a:prstGeom>
-        </p:spPr>
-        <p:style>
-          <a:lnRef idx="1">
-            <a:schemeClr val="accent6"/>
-          </a:lnRef>
-          <a:fillRef idx="2">
-            <a:schemeClr val="accent6"/>
-          </a:fillRef>
-          <a:effectRef idx="1">
-            <a:schemeClr val="accent6"/>
-          </a:effectRef>
-          <a:fontRef idx="minor">
-            <a:schemeClr val="dk1"/>
-          </a:fontRef>
-        </p:style>
-        <p:txBody>
-          <a:bodyPr wrap="square" rtlCol="0">
-            <a:spAutoFit/>
-          </a:bodyPr>
-          <a:lstStyle/>
-          <a:p>
-            <a:r>
-              <a:rPr lang="en-US" dirty="0" smtClean="0"/>
-              <a:t>Anti-unification</a:t>
-            </a:r>
-            <a:endParaRPr lang="en-US" dirty="0"/>
-          </a:p>
-        </p:txBody>
-      </p:sp>
-      <p:sp>
-        <p:nvSpPr>
-          <p:cNvPr id="27" name="TextBox 26"/>
-          <p:cNvSpPr txBox="1"/>
-          <p:nvPr/>
-        </p:nvSpPr>
-        <p:spPr>
-          <a:xfrm>
-            <a:off x="3989492" y="3947641"/>
-            <a:ext cx="1918028" cy="420243"/>
-          </a:xfrm>
-          <a:prstGeom prst="rect">
-            <a:avLst/>
-          </a:prstGeom>
-        </p:spPr>
-        <p:style>
-          <a:lnRef idx="1">
-            <a:schemeClr val="accent6"/>
-          </a:lnRef>
-          <a:fillRef idx="2">
-            <a:schemeClr val="accent6"/>
-          </a:fillRef>
-          <a:effectRef idx="1">
-            <a:schemeClr val="accent6"/>
-          </a:effectRef>
-          <a:fontRef idx="minor">
-            <a:schemeClr val="dk1"/>
-          </a:fontRef>
-        </p:style>
-        <p:txBody>
-          <a:bodyPr wrap="square" rtlCol="0">
-            <a:spAutoFit/>
-          </a:bodyPr>
-          <a:lstStyle/>
-          <a:p>
-            <a:r>
-              <a:rPr lang="en-US" dirty="0" smtClean="0"/>
-              <a:t>Anti-unification</a:t>
-            </a:r>
-            <a:endParaRPr lang="en-US" dirty="0"/>
-          </a:p>
-        </p:txBody>
-      </p:sp>
-      <p:sp>
-        <p:nvSpPr>
-          <p:cNvPr id="28" name="TextBox 27"/>
-          <p:cNvSpPr txBox="1"/>
-          <p:nvPr/>
-        </p:nvSpPr>
-        <p:spPr>
-          <a:xfrm>
-            <a:off x="5396792" y="2146350"/>
-            <a:ext cx="1918028" cy="420243"/>
-          </a:xfrm>
-          <a:prstGeom prst="rect">
-            <a:avLst/>
-          </a:prstGeom>
-        </p:spPr>
-        <p:style>
-          <a:lnRef idx="1">
-            <a:schemeClr val="accent6"/>
-          </a:lnRef>
-          <a:fillRef idx="2">
-            <a:schemeClr val="accent6"/>
-          </a:fillRef>
-          <a:effectRef idx="1">
-            <a:schemeClr val="accent6"/>
-          </a:effectRef>
-          <a:fontRef idx="minor">
-            <a:schemeClr val="dk1"/>
-          </a:fontRef>
-        </p:style>
-        <p:txBody>
-          <a:bodyPr wrap="square" rtlCol="0">
-            <a:spAutoFit/>
-          </a:bodyPr>
-          <a:lstStyle/>
-          <a:p>
-            <a:r>
-              <a:rPr lang="en-US" dirty="0" smtClean="0"/>
-              <a:t>Anti-unification</a:t>
-            </a:r>
-            <a:endParaRPr lang="en-US" dirty="0"/>
-          </a:p>
-        </p:txBody>
-      </p:sp>
-      <p:sp>
-        <p:nvSpPr>
-          <p:cNvPr id="4" name="TextBox 3"/>
-          <p:cNvSpPr txBox="1"/>
-          <p:nvPr/>
-        </p:nvSpPr>
-        <p:spPr>
-          <a:xfrm>
-            <a:off x="1513935" y="7781159"/>
-            <a:ext cx="1392891" cy="420243"/>
-          </a:xfrm>
-          <a:prstGeom prst="rect">
-            <a:avLst/>
-          </a:prstGeom>
-          <a:noFill/>
-        </p:spPr>
-        <p:txBody>
-          <a:bodyPr wrap="square" rtlCol="0">
-            <a:spAutoFit/>
-          </a:bodyPr>
-          <a:lstStyle/>
-          <a:p>
-            <a:r>
-              <a:rPr lang="en-US" dirty="0" smtClean="0"/>
-              <a:t>Cluster 1</a:t>
-            </a:r>
-            <a:endParaRPr lang="en-US" dirty="0"/>
-          </a:p>
-        </p:txBody>
-      </p:sp>
-      <p:sp>
-        <p:nvSpPr>
-          <p:cNvPr id="30" name="TextBox 29"/>
-          <p:cNvSpPr txBox="1"/>
-          <p:nvPr/>
-        </p:nvSpPr>
-        <p:spPr>
-          <a:xfrm>
-            <a:off x="4943155" y="7797059"/>
-            <a:ext cx="1392891" cy="420243"/>
-          </a:xfrm>
-          <a:prstGeom prst="rect">
-            <a:avLst/>
-          </a:prstGeom>
-          <a:noFill/>
-        </p:spPr>
-        <p:txBody>
-          <a:bodyPr wrap="square" rtlCol="0">
-            <a:spAutoFit/>
-          </a:bodyPr>
-          <a:lstStyle/>
-          <a:p>
-            <a:r>
-              <a:rPr lang="en-US" dirty="0" smtClean="0"/>
-              <a:t>Cluster 2</a:t>
-            </a:r>
-            <a:endParaRPr lang="en-US" dirty="0"/>
-          </a:p>
-        </p:txBody>
-      </p:sp>
-      <p:sp>
-        <p:nvSpPr>
-          <p:cNvPr id="31" name="TextBox 30"/>
-          <p:cNvSpPr txBox="1"/>
-          <p:nvPr/>
-        </p:nvSpPr>
-        <p:spPr>
-          <a:xfrm>
-            <a:off x="8069660" y="7751458"/>
-            <a:ext cx="1392891" cy="420243"/>
-          </a:xfrm>
-          <a:prstGeom prst="rect">
-            <a:avLst/>
-          </a:prstGeom>
-          <a:noFill/>
-        </p:spPr>
-        <p:txBody>
-          <a:bodyPr wrap="square" rtlCol="0">
-            <a:spAutoFit/>
-          </a:bodyPr>
-          <a:lstStyle/>
-          <a:p>
-            <a:r>
-              <a:rPr lang="en-US" dirty="0" smtClean="0"/>
-              <a:t>Cluster 3</a:t>
-            </a:r>
-            <a:endParaRPr lang="en-US" dirty="0"/>
-          </a:p>
-        </p:txBody>
-      </p:sp>
-      <p:sp>
-        <p:nvSpPr>
-          <p:cNvPr id="32" name="TextBox 31"/>
-          <p:cNvSpPr txBox="1"/>
-          <p:nvPr/>
-        </p:nvSpPr>
-        <p:spPr>
-          <a:xfrm>
-            <a:off x="10962369" y="7797059"/>
-            <a:ext cx="1392891" cy="420243"/>
-          </a:xfrm>
-          <a:prstGeom prst="rect">
-            <a:avLst/>
-          </a:prstGeom>
-          <a:noFill/>
-        </p:spPr>
-        <p:txBody>
-          <a:bodyPr wrap="square" rtlCol="0">
-            <a:spAutoFit/>
-          </a:bodyPr>
-          <a:lstStyle/>
-          <a:p>
-            <a:r>
-              <a:rPr lang="en-US" dirty="0" smtClean="0"/>
-              <a:t>Cluster 4</a:t>
-            </a:r>
-            <a:endParaRPr lang="en-US" dirty="0"/>
-          </a:p>
-        </p:txBody>
-      </p:sp>
-      <p:sp>
-        <p:nvSpPr>
-          <p:cNvPr id="33" name="TextBox 32"/>
-          <p:cNvSpPr txBox="1"/>
-          <p:nvPr/>
-        </p:nvSpPr>
-        <p:spPr>
-          <a:xfrm>
-            <a:off x="4750876" y="4876741"/>
-            <a:ext cx="1392891" cy="420243"/>
-          </a:xfrm>
-          <a:prstGeom prst="rect">
-            <a:avLst/>
-          </a:prstGeom>
-          <a:noFill/>
-        </p:spPr>
-        <p:txBody>
-          <a:bodyPr wrap="square" rtlCol="0">
-            <a:spAutoFit/>
-          </a:bodyPr>
-          <a:lstStyle/>
-          <a:p>
-            <a:r>
-              <a:rPr lang="en-US" dirty="0" smtClean="0"/>
-              <a:t>Cluster 5</a:t>
-            </a:r>
-            <a:endParaRPr lang="en-US" dirty="0"/>
-          </a:p>
-        </p:txBody>
-      </p:sp>
-      <p:sp>
-        <p:nvSpPr>
-          <p:cNvPr id="34" name="TextBox 33"/>
-          <p:cNvSpPr txBox="1"/>
-          <p:nvPr/>
-        </p:nvSpPr>
-        <p:spPr>
-          <a:xfrm>
-            <a:off x="5547051" y="2905532"/>
-            <a:ext cx="1392891" cy="420243"/>
-          </a:xfrm>
-          <a:prstGeom prst="rect">
-            <a:avLst/>
-          </a:prstGeom>
-          <a:noFill/>
-        </p:spPr>
-        <p:txBody>
-          <a:bodyPr wrap="square" rtlCol="0">
-            <a:spAutoFit/>
-          </a:bodyPr>
-          <a:lstStyle/>
-          <a:p>
-            <a:r>
-              <a:rPr lang="en-US" dirty="0" smtClean="0"/>
-              <a:t>Cluster 6</a:t>
-            </a:r>
-            <a:endParaRPr lang="en-US" dirty="0"/>
-          </a:p>
-        </p:txBody>
-      </p:sp>
-      <p:sp>
-        <p:nvSpPr>
-          <p:cNvPr id="35" name="TextBox 34"/>
-          <p:cNvSpPr txBox="1"/>
-          <p:nvPr/>
-        </p:nvSpPr>
-        <p:spPr>
-          <a:xfrm>
-            <a:off x="7179060" y="932255"/>
-            <a:ext cx="1392891" cy="420243"/>
-          </a:xfrm>
-          <a:prstGeom prst="rect">
-            <a:avLst/>
-          </a:prstGeom>
-          <a:noFill/>
-        </p:spPr>
-        <p:txBody>
-          <a:bodyPr wrap="square" rtlCol="0">
-            <a:spAutoFit/>
-          </a:bodyPr>
-          <a:lstStyle/>
-          <a:p>
-            <a:r>
-              <a:rPr lang="en-US" smtClean="0"/>
-              <a:t>Cluster 7</a:t>
-            </a:r>
-            <a:endParaRPr lang="en-US" dirty="0"/>
-          </a:p>
-        </p:txBody>
-      </p:sp>
     </p:spTree>
     <p:extLst>
       <p:ext uri="{BB962C8B-B14F-4D97-AF65-F5344CB8AC3E}">

--- a/NewThesis/LaTex-template-package/Drawing4/overview2.pptx
+++ b/NewThesis/LaTex-template-package/Drawing4/overview2.pptx
@@ -197,7 +197,7 @@
           <a:p>
             <a:fld id="{69439091-2C92-4D7B-9ACF-2E96006E9DBD}" type="datetimeFigureOut">
               <a:rPr lang="en-US" smtClean="0"/>
-              <a:t>8/3/2016</a:t>
+              <a:t>11/4/2016</a:t>
             </a:fld>
             <a:endParaRPr lang="en-US"/>
           </a:p>
@@ -684,7 +684,7 @@
           <a:p>
             <a:fld id="{034EC1D1-0E05-47D0-B125-0ACF846A4397}" type="datetimeFigureOut">
               <a:rPr lang="en-US" smtClean="0"/>
-              <a:t>8/3/2016</a:t>
+              <a:t>11/4/2016</a:t>
             </a:fld>
             <a:endParaRPr lang="en-US"/>
           </a:p>
@@ -854,7 +854,7 @@
           <a:p>
             <a:fld id="{034EC1D1-0E05-47D0-B125-0ACF846A4397}" type="datetimeFigureOut">
               <a:rPr lang="en-US" smtClean="0"/>
-              <a:t>8/3/2016</a:t>
+              <a:t>11/4/2016</a:t>
             </a:fld>
             <a:endParaRPr lang="en-US"/>
           </a:p>
@@ -1034,7 +1034,7 @@
           <a:p>
             <a:fld id="{034EC1D1-0E05-47D0-B125-0ACF846A4397}" type="datetimeFigureOut">
               <a:rPr lang="en-US" smtClean="0"/>
-              <a:t>8/3/2016</a:t>
+              <a:t>11/4/2016</a:t>
             </a:fld>
             <a:endParaRPr lang="en-US"/>
           </a:p>
@@ -1204,7 +1204,7 @@
           <a:p>
             <a:fld id="{034EC1D1-0E05-47D0-B125-0ACF846A4397}" type="datetimeFigureOut">
               <a:rPr lang="en-US" smtClean="0"/>
-              <a:t>8/3/2016</a:t>
+              <a:t>11/4/2016</a:t>
             </a:fld>
             <a:endParaRPr lang="en-US"/>
           </a:p>
@@ -1450,7 +1450,7 @@
           <a:p>
             <a:fld id="{034EC1D1-0E05-47D0-B125-0ACF846A4397}" type="datetimeFigureOut">
               <a:rPr lang="en-US" smtClean="0"/>
-              <a:t>8/3/2016</a:t>
+              <a:t>11/4/2016</a:t>
             </a:fld>
             <a:endParaRPr lang="en-US"/>
           </a:p>
@@ -1682,7 +1682,7 @@
           <a:p>
             <a:fld id="{034EC1D1-0E05-47D0-B125-0ACF846A4397}" type="datetimeFigureOut">
               <a:rPr lang="en-US" smtClean="0"/>
-              <a:t>8/3/2016</a:t>
+              <a:t>11/4/2016</a:t>
             </a:fld>
             <a:endParaRPr lang="en-US"/>
           </a:p>
@@ -2049,7 +2049,7 @@
           <a:p>
             <a:fld id="{034EC1D1-0E05-47D0-B125-0ACF846A4397}" type="datetimeFigureOut">
               <a:rPr lang="en-US" smtClean="0"/>
-              <a:t>8/3/2016</a:t>
+              <a:t>11/4/2016</a:t>
             </a:fld>
             <a:endParaRPr lang="en-US"/>
           </a:p>
@@ -2167,7 +2167,7 @@
           <a:p>
             <a:fld id="{034EC1D1-0E05-47D0-B125-0ACF846A4397}" type="datetimeFigureOut">
               <a:rPr lang="en-US" smtClean="0"/>
-              <a:t>8/3/2016</a:t>
+              <a:t>11/4/2016</a:t>
             </a:fld>
             <a:endParaRPr lang="en-US"/>
           </a:p>
@@ -2262,7 +2262,7 @@
           <a:p>
             <a:fld id="{034EC1D1-0E05-47D0-B125-0ACF846A4397}" type="datetimeFigureOut">
               <a:rPr lang="en-US" smtClean="0"/>
-              <a:t>8/3/2016</a:t>
+              <a:t>11/4/2016</a:t>
             </a:fld>
             <a:endParaRPr lang="en-US"/>
           </a:p>
@@ -2539,7 +2539,7 @@
           <a:p>
             <a:fld id="{034EC1D1-0E05-47D0-B125-0ACF846A4397}" type="datetimeFigureOut">
               <a:rPr lang="en-US" smtClean="0"/>
-              <a:t>8/3/2016</a:t>
+              <a:t>11/4/2016</a:t>
             </a:fld>
             <a:endParaRPr lang="en-US"/>
           </a:p>
@@ -2796,7 +2796,7 @@
           <a:p>
             <a:fld id="{034EC1D1-0E05-47D0-B125-0ACF846A4397}" type="datetimeFigureOut">
               <a:rPr lang="en-US" smtClean="0"/>
-              <a:t>8/3/2016</a:t>
+              <a:t>11/4/2016</a:t>
             </a:fld>
             <a:endParaRPr lang="en-US"/>
           </a:p>
@@ -3009,7 +3009,7 @@
           <a:p>
             <a:fld id="{034EC1D1-0E05-47D0-B125-0ACF846A4397}" type="datetimeFigureOut">
               <a:rPr lang="en-US" smtClean="0"/>
-              <a:t>8/3/2016</a:t>
+              <a:t>11/4/2016</a:t>
             </a:fld>
             <a:endParaRPr lang="en-US"/>
           </a:p>
@@ -3448,7 +3448,7 @@
               <a:lumOff val="60000"/>
             </a:schemeClr>
           </a:solidFill>
-          <a:ln w="31750">
+          <a:ln w="28575">
             <a:solidFill>
               <a:srgbClr val="666633">
                 <a:alpha val="63000"/>
@@ -3476,20 +3476,20 @@
       <p:cxnSp>
         <p:nvCxnSpPr>
           <p:cNvPr id="106" name="Elbow Connector 105"/>
-          <p:cNvCxnSpPr/>
+          <p:cNvCxnSpPr>
+            <a:stCxn id="51" idx="0"/>
+          </p:cNvCxnSpPr>
           <p:nvPr/>
         </p:nvCxnSpPr>
         <p:spPr>
-          <a:xfrm flipV="1">
-            <a:off x="2909597" y="5194700"/>
-            <a:ext cx="1691806" cy="449523"/>
-          </a:xfrm>
-          <a:prstGeom prst="bentConnector3">
-            <a:avLst>
-              <a:gd name="adj1" fmla="val 109"/>
-            </a:avLst>
+          <a:xfrm rot="5400000" flipH="1" flipV="1">
+            <a:off x="3515909" y="4559406"/>
+            <a:ext cx="459483" cy="1711501"/>
+          </a:xfrm>
+          <a:prstGeom prst="bentConnector2">
+            <a:avLst/>
           </a:prstGeom>
-          <a:ln w="31750">
+          <a:ln w="28575">
             <a:solidFill>
               <a:srgbClr val="666633">
                 <a:alpha val="63000"/>
@@ -3537,7 +3537,7 @@
               <a:lumOff val="60000"/>
             </a:schemeClr>
           </a:solidFill>
-          <a:ln w="31750">
+          <a:ln w="28575">
             <a:solidFill>
               <a:srgbClr val="666633">
                 <a:alpha val="63000"/>
@@ -3587,7 +3587,7 @@
               <a:lumOff val="60000"/>
             </a:schemeClr>
           </a:solidFill>
-          <a:ln w="31750">
+          <a:ln w="28575">
             <a:solidFill>
               <a:srgbClr val="666633">
                 <a:alpha val="63000"/>
@@ -3681,7 +3681,7 @@
               <a:t>Threshold</a:t>
             </a:r>
             <a:r>
-              <a:rPr lang="en-US" dirty="0"/>
+              <a:rPr lang="en-US" sz="2000" dirty="0"/>
               <a:t> </a:t>
             </a:r>
             <a:r>
@@ -3726,7 +3726,7 @@
               <a:t>Threshold</a:t>
             </a:r>
             <a:r>
-              <a:rPr lang="en-US" dirty="0"/>
+              <a:rPr lang="en-US" sz="2000" dirty="0"/>
               <a:t> </a:t>
             </a:r>
             <a:r>
@@ -3830,7 +3830,7 @@
           <a:lstStyle/>
           <a:p>
             <a:pPr algn="ctr"/>
-            <a:endParaRPr lang="en-US" dirty="0">
+            <a:endParaRPr lang="en-US" sz="2000" dirty="0">
               <a:solidFill>
                 <a:srgbClr val="666633"/>
               </a:solidFill>
@@ -3838,7 +3838,7 @@
           </a:p>
           <a:p>
             <a:pPr algn="ctr"/>
-            <a:endParaRPr lang="en-US" dirty="0">
+            <a:endParaRPr lang="en-US" sz="2000" dirty="0">
               <a:solidFill>
                 <a:srgbClr val="666633"/>
               </a:solidFill>
@@ -3847,7 +3847,7 @@
           <a:p>
             <a:pPr algn="ctr"/>
             <a:r>
-              <a:rPr lang="en-US" dirty="0">
+              <a:rPr lang="en-US" sz="2000" dirty="0">
                 <a:solidFill>
                   <a:srgbClr val="666633"/>
                 </a:solidFill>
@@ -3912,7 +3912,15 @@
                   <a:srgbClr val="666633"/>
                 </a:solidFill>
               </a:rPr>
-              <a:t>AUAST ABC</a:t>
+              <a:t>AUAST </a:t>
+            </a:r>
+            <a:r>
+              <a:rPr lang="en-US" sz="2000" b="1" dirty="0">
+                <a:solidFill>
+                  <a:srgbClr val="666633"/>
+                </a:solidFill>
+              </a:rPr>
+              <a:t>ABC</a:t>
             </a:r>
           </a:p>
         </p:txBody>
@@ -3964,7 +3972,7 @@
           <a:lstStyle/>
           <a:p>
             <a:pPr algn="ctr"/>
-            <a:endParaRPr lang="en-US" dirty="0">
+            <a:endParaRPr lang="en-US" sz="2000" dirty="0">
               <a:solidFill>
                 <a:srgbClr val="666633"/>
               </a:solidFill>
@@ -3972,7 +3980,7 @@
           </a:p>
           <a:p>
             <a:pPr algn="ctr"/>
-            <a:endParaRPr lang="en-US" dirty="0">
+            <a:endParaRPr lang="en-US" sz="2000" dirty="0">
               <a:solidFill>
                 <a:srgbClr val="666633"/>
               </a:solidFill>
@@ -3981,7 +3989,7 @@
           <a:p>
             <a:pPr algn="ctr"/>
             <a:r>
-              <a:rPr lang="en-US" dirty="0">
+              <a:rPr lang="en-US" sz="2000" dirty="0">
                 <a:solidFill>
                   <a:srgbClr val="666633"/>
                 </a:solidFill>
@@ -4046,7 +4054,15 @@
                   <a:srgbClr val="666633"/>
                 </a:solidFill>
               </a:rPr>
-              <a:t>AUAST AB</a:t>
+              <a:t>AUAST </a:t>
+            </a:r>
+            <a:r>
+              <a:rPr lang="en-US" sz="2000" b="1" dirty="0">
+                <a:solidFill>
+                  <a:srgbClr val="666633"/>
+                </a:solidFill>
+              </a:rPr>
+              <a:t>AB</a:t>
             </a:r>
           </a:p>
         </p:txBody>
@@ -4098,7 +4114,7 @@
           <a:lstStyle/>
           <a:p>
             <a:pPr algn="ctr"/>
-            <a:endParaRPr lang="en-US" dirty="0">
+            <a:endParaRPr lang="en-US" sz="2000" dirty="0">
               <a:solidFill>
                 <a:srgbClr val="666633"/>
               </a:solidFill>
@@ -4106,7 +4122,7 @@
           </a:p>
           <a:p>
             <a:pPr algn="ctr"/>
-            <a:endParaRPr lang="en-US" dirty="0">
+            <a:endParaRPr lang="en-US" sz="2000" dirty="0">
               <a:solidFill>
                 <a:srgbClr val="666633"/>
               </a:solidFill>
@@ -4115,7 +4131,7 @@
           <a:p>
             <a:pPr algn="ctr"/>
             <a:r>
-              <a:rPr lang="en-US" dirty="0">
+              <a:rPr lang="en-US" sz="2000" dirty="0">
                 <a:solidFill>
                   <a:srgbClr val="666633"/>
                 </a:solidFill>
@@ -4180,7 +4196,15 @@
                   <a:srgbClr val="666633"/>
                 </a:solidFill>
               </a:rPr>
-              <a:t>AUAST A</a:t>
+              <a:t>AUAST </a:t>
+            </a:r>
+            <a:r>
+              <a:rPr lang="en-US" sz="2000" b="1" dirty="0">
+                <a:solidFill>
+                  <a:srgbClr val="666633"/>
+                </a:solidFill>
+              </a:rPr>
+              <a:t>A</a:t>
             </a:r>
           </a:p>
         </p:txBody>
@@ -4232,7 +4256,7 @@
           <a:lstStyle/>
           <a:p>
             <a:pPr algn="ctr"/>
-            <a:endParaRPr lang="en-US" dirty="0">
+            <a:endParaRPr lang="en-US" sz="2000" dirty="0">
               <a:solidFill>
                 <a:srgbClr val="666633"/>
               </a:solidFill>
@@ -4240,7 +4264,7 @@
           </a:p>
           <a:p>
             <a:pPr algn="ctr"/>
-            <a:endParaRPr lang="en-US" dirty="0">
+            <a:endParaRPr lang="en-US" sz="2000" dirty="0">
               <a:solidFill>
                 <a:srgbClr val="666633"/>
               </a:solidFill>
@@ -4249,7 +4273,7 @@
           <a:p>
             <a:pPr algn="ctr"/>
             <a:r>
-              <a:rPr lang="en-US" dirty="0">
+              <a:rPr lang="en-US" sz="2000" dirty="0">
                 <a:solidFill>
                   <a:srgbClr val="666633"/>
                 </a:solidFill>
@@ -4314,7 +4338,15 @@
                   <a:srgbClr val="666633"/>
                 </a:solidFill>
               </a:rPr>
-              <a:t>AUAST B</a:t>
+              <a:t>AUAST </a:t>
+            </a:r>
+            <a:r>
+              <a:rPr lang="en-US" sz="2000" b="1" dirty="0">
+                <a:solidFill>
+                  <a:srgbClr val="666633"/>
+                </a:solidFill>
+              </a:rPr>
+              <a:t>B</a:t>
             </a:r>
           </a:p>
         </p:txBody>
@@ -4366,7 +4398,7 @@
           <a:lstStyle/>
           <a:p>
             <a:pPr algn="ctr"/>
-            <a:endParaRPr lang="en-US" dirty="0">
+            <a:endParaRPr lang="en-US" sz="2000" dirty="0">
               <a:solidFill>
                 <a:srgbClr val="666633"/>
               </a:solidFill>
@@ -4374,7 +4406,7 @@
           </a:p>
           <a:p>
             <a:pPr algn="ctr"/>
-            <a:endParaRPr lang="en-US" dirty="0">
+            <a:endParaRPr lang="en-US" sz="2000" dirty="0">
               <a:solidFill>
                 <a:srgbClr val="666633"/>
               </a:solidFill>
@@ -4383,7 +4415,7 @@
           <a:p>
             <a:pPr algn="ctr"/>
             <a:r>
-              <a:rPr lang="en-US" dirty="0">
+              <a:rPr lang="en-US" sz="2000" dirty="0">
                 <a:solidFill>
                   <a:srgbClr val="666633"/>
                 </a:solidFill>
@@ -4448,7 +4480,15 @@
                   <a:srgbClr val="666633"/>
                 </a:solidFill>
               </a:rPr>
-              <a:t>AUAST C</a:t>
+              <a:t>AUAST </a:t>
+            </a:r>
+            <a:r>
+              <a:rPr lang="en-US" sz="2000" b="1" dirty="0">
+                <a:solidFill>
+                  <a:srgbClr val="666633"/>
+                </a:solidFill>
+              </a:rPr>
+              <a:t>C</a:t>
             </a:r>
           </a:p>
         </p:txBody>
@@ -4500,7 +4540,7 @@
           <a:lstStyle/>
           <a:p>
             <a:pPr algn="ctr"/>
-            <a:endParaRPr lang="en-US" dirty="0">
+            <a:endParaRPr lang="en-US" sz="2000" dirty="0">
               <a:solidFill>
                 <a:srgbClr val="666633"/>
               </a:solidFill>
@@ -4508,7 +4548,7 @@
           </a:p>
           <a:p>
             <a:pPr algn="ctr"/>
-            <a:endParaRPr lang="en-US" dirty="0">
+            <a:endParaRPr lang="en-US" sz="2000" dirty="0">
               <a:solidFill>
                 <a:srgbClr val="666633"/>
               </a:solidFill>
@@ -4517,7 +4557,7 @@
           <a:p>
             <a:pPr algn="ctr"/>
             <a:r>
-              <a:rPr lang="en-US" dirty="0">
+              <a:rPr lang="en-US" sz="2000" dirty="0">
                 <a:solidFill>
                   <a:srgbClr val="666633"/>
                 </a:solidFill>
@@ -4582,7 +4622,15 @@
                   <a:srgbClr val="666633"/>
                 </a:solidFill>
               </a:rPr>
-              <a:t>AUAST D</a:t>
+              <a:t>AUAST </a:t>
+            </a:r>
+            <a:r>
+              <a:rPr lang="en-US" sz="2000" b="1" dirty="0">
+                <a:solidFill>
+                  <a:srgbClr val="666633"/>
+                </a:solidFill>
+              </a:rPr>
+              <a:t>D</a:t>
             </a:r>
           </a:p>
         </p:txBody>
@@ -4597,13 +4645,13 @@
         </p:nvCxnSpPr>
         <p:spPr>
           <a:xfrm rot="16200000" flipV="1">
-            <a:off x="6843917" y="2997941"/>
-            <a:ext cx="2633248" cy="2655135"/>
+            <a:off x="6833525" y="2987549"/>
+            <a:ext cx="2640821" cy="2668347"/>
           </a:xfrm>
           <a:prstGeom prst="bentConnector2">
             <a:avLst/>
           </a:prstGeom>
-          <a:ln w="31750">
+          <a:ln w="28575">
             <a:solidFill>
               <a:srgbClr val="666633">
                 <a:alpha val="63000"/>
@@ -4648,7 +4696,7 @@
               <a:lumOff val="60000"/>
             </a:schemeClr>
           </a:solidFill>
-          <a:ln w="31750">
+          <a:ln w="28575">
             <a:solidFill>
               <a:srgbClr val="666633">
                 <a:alpha val="63000"/>
@@ -4720,7 +4768,7 @@
           <a:lstStyle/>
           <a:p>
             <a:pPr algn="ctr"/>
-            <a:endParaRPr lang="en-US" dirty="0">
+            <a:endParaRPr lang="en-US" sz="2000" dirty="0">
               <a:solidFill>
                 <a:srgbClr val="666633"/>
               </a:solidFill>
@@ -4728,7 +4776,7 @@
           </a:p>
           <a:p>
             <a:pPr algn="ctr"/>
-            <a:endParaRPr lang="en-US" dirty="0">
+            <a:endParaRPr lang="en-US" sz="2000" dirty="0">
               <a:solidFill>
                 <a:srgbClr val="666633"/>
               </a:solidFill>
@@ -4737,7 +4785,7 @@
           <a:p>
             <a:pPr algn="ctr"/>
             <a:r>
-              <a:rPr lang="en-US" dirty="0">
+              <a:rPr lang="en-US" sz="2000" dirty="0">
                 <a:solidFill>
                   <a:srgbClr val="666633"/>
                 </a:solidFill>
@@ -4802,7 +4850,15 @@
                   <a:srgbClr val="666633"/>
                 </a:solidFill>
               </a:rPr>
-              <a:t>AUAST E</a:t>
+              <a:t>AUAST </a:t>
+            </a:r>
+            <a:r>
+              <a:rPr lang="en-US" sz="2000" b="1" dirty="0">
+                <a:solidFill>
+                  <a:srgbClr val="666633"/>
+                </a:solidFill>
+              </a:rPr>
+              <a:t>E</a:t>
             </a:r>
           </a:p>
         </p:txBody>
@@ -4854,7 +4910,7 @@
           <a:lstStyle/>
           <a:p>
             <a:pPr algn="ctr"/>
-            <a:endParaRPr lang="en-US" dirty="0">
+            <a:endParaRPr lang="en-US" sz="2000" dirty="0">
               <a:solidFill>
                 <a:srgbClr val="666633"/>
               </a:solidFill>
@@ -4862,7 +4918,7 @@
           </a:p>
           <a:p>
             <a:pPr algn="ctr"/>
-            <a:endParaRPr lang="en-US" dirty="0">
+            <a:endParaRPr lang="en-US" sz="2000" dirty="0">
               <a:solidFill>
                 <a:srgbClr val="666633"/>
               </a:solidFill>
@@ -4871,7 +4927,7 @@
           <a:p>
             <a:pPr algn="ctr"/>
             <a:r>
-              <a:rPr lang="en-US" dirty="0">
+              <a:rPr lang="en-US" sz="2000" dirty="0">
                 <a:solidFill>
                   <a:srgbClr val="666633"/>
                 </a:solidFill>
@@ -4936,7 +4992,15 @@
                   <a:srgbClr val="666633"/>
                 </a:solidFill>
               </a:rPr>
-              <a:t>AUAST DE</a:t>
+              <a:t>AUAST </a:t>
+            </a:r>
+            <a:r>
+              <a:rPr lang="en-US" sz="2000" b="1" dirty="0">
+                <a:solidFill>
+                  <a:srgbClr val="666633"/>
+                </a:solidFill>
+              </a:rPr>
+              <a:t>DE</a:t>
             </a:r>
           </a:p>
         </p:txBody>
@@ -4944,18 +5008,20 @@
       <p:cxnSp>
         <p:nvCxnSpPr>
           <p:cNvPr id="89" name="Elbow Connector 88"/>
-          <p:cNvCxnSpPr/>
+          <p:cNvCxnSpPr>
+            <a:stCxn id="58" idx="0"/>
+          </p:cNvCxnSpPr>
           <p:nvPr/>
         </p:nvCxnSpPr>
         <p:spPr>
           <a:xfrm rot="5400000" flipH="1" flipV="1">
-            <a:off x="13305848" y="4679913"/>
-            <a:ext cx="438745" cy="1531254"/>
+            <a:off x="13319915" y="4665844"/>
+            <a:ext cx="410611" cy="1531254"/>
           </a:xfrm>
           <a:prstGeom prst="bentConnector2">
             <a:avLst/>
           </a:prstGeom>
-          <a:ln w="31750">
+          <a:ln w="28575">
             <a:solidFill>
               <a:srgbClr val="666633">
                 <a:alpha val="63000"/>
@@ -4988,8 +5054,8 @@
         </p:nvCxnSpPr>
         <p:spPr>
           <a:xfrm flipH="1" flipV="1">
-            <a:off x="14277635" y="1019067"/>
-            <a:ext cx="13210" cy="2528074"/>
+            <a:off x="14277635" y="916100"/>
+            <a:ext cx="13210" cy="2631041"/>
           </a:xfrm>
           <a:prstGeom prst="straightConnector1">
             <a:avLst/>
@@ -5000,7 +5066,7 @@
               <a:lumOff val="60000"/>
             </a:schemeClr>
           </a:solidFill>
-          <a:ln w="31750">
+          <a:ln w="28575">
             <a:solidFill>
               <a:srgbClr val="666633">
                 <a:alpha val="63000"/>
@@ -5025,6 +5091,286 @@
           </a:fontRef>
         </p:style>
       </p:cxnSp>
+      <p:sp>
+        <p:nvSpPr>
+          <p:cNvPr id="38" name="Flowchart: Connector 37"/>
+          <p:cNvSpPr/>
+          <p:nvPr/>
+        </p:nvSpPr>
+        <p:spPr>
+          <a:xfrm>
+            <a:off x="4572046" y="3213279"/>
+            <a:ext cx="93784" cy="89117"/>
+          </a:xfrm>
+          <a:prstGeom prst="flowChartConnector">
+            <a:avLst/>
+          </a:prstGeom>
+          <a:solidFill>
+            <a:srgbClr val="666633"/>
+          </a:solidFill>
+          <a:ln>
+            <a:solidFill>
+              <a:srgbClr val="96944A">
+                <a:alpha val="49804"/>
+              </a:srgbClr>
+            </a:solidFill>
+          </a:ln>
+        </p:spPr>
+        <p:style>
+          <a:lnRef idx="2">
+            <a:schemeClr val="accent1">
+              <a:shade val="50000"/>
+            </a:schemeClr>
+          </a:lnRef>
+          <a:fillRef idx="1">
+            <a:schemeClr val="accent1"/>
+          </a:fillRef>
+          <a:effectRef idx="0">
+            <a:schemeClr val="accent1"/>
+          </a:effectRef>
+          <a:fontRef idx="minor">
+            <a:schemeClr val="lt1"/>
+          </a:fontRef>
+        </p:style>
+        <p:txBody>
+          <a:bodyPr rtlCol="0" anchor="ctr"/>
+          <a:lstStyle/>
+          <a:p>
+            <a:pPr algn="ctr"/>
+            <a:endParaRPr lang="en-CA">
+              <a:ln>
+                <a:solidFill>
+                  <a:srgbClr val="666633"/>
+                </a:solidFill>
+              </a:ln>
+            </a:endParaRPr>
+          </a:p>
+        </p:txBody>
+      </p:sp>
+      <p:sp>
+        <p:nvSpPr>
+          <p:cNvPr id="39" name="Flowchart: Connector 38"/>
+          <p:cNvSpPr/>
+          <p:nvPr/>
+        </p:nvSpPr>
+        <p:spPr>
+          <a:xfrm>
+            <a:off x="9441217" y="3225003"/>
+            <a:ext cx="99311" cy="111547"/>
+          </a:xfrm>
+          <a:prstGeom prst="flowChartConnector">
+            <a:avLst/>
+          </a:prstGeom>
+          <a:solidFill>
+            <a:srgbClr val="666633"/>
+          </a:solidFill>
+          <a:ln>
+            <a:solidFill>
+              <a:srgbClr val="BAB872">
+                <a:alpha val="49804"/>
+              </a:srgbClr>
+            </a:solidFill>
+          </a:ln>
+        </p:spPr>
+        <p:style>
+          <a:lnRef idx="2">
+            <a:schemeClr val="accent1">
+              <a:shade val="50000"/>
+            </a:schemeClr>
+          </a:lnRef>
+          <a:fillRef idx="1">
+            <a:schemeClr val="accent1"/>
+          </a:fillRef>
+          <a:effectRef idx="0">
+            <a:schemeClr val="accent1"/>
+          </a:effectRef>
+          <a:fontRef idx="minor">
+            <a:schemeClr val="lt1"/>
+          </a:fontRef>
+        </p:style>
+        <p:txBody>
+          <a:bodyPr rtlCol="0" anchor="ctr"/>
+          <a:lstStyle/>
+          <a:p>
+            <a:pPr algn="ctr"/>
+            <a:endParaRPr lang="en-CA">
+              <a:ln>
+                <a:solidFill>
+                  <a:srgbClr val="666633"/>
+                </a:solidFill>
+              </a:ln>
+            </a:endParaRPr>
+          </a:p>
+        </p:txBody>
+      </p:sp>
+      <p:sp>
+        <p:nvSpPr>
+          <p:cNvPr id="41" name="Flowchart: Connector 40"/>
+          <p:cNvSpPr/>
+          <p:nvPr/>
+        </p:nvSpPr>
+        <p:spPr>
+          <a:xfrm>
+            <a:off x="14236370" y="3246114"/>
+            <a:ext cx="99311" cy="111547"/>
+          </a:xfrm>
+          <a:prstGeom prst="flowChartConnector">
+            <a:avLst/>
+          </a:prstGeom>
+          <a:solidFill>
+            <a:srgbClr val="666633"/>
+          </a:solidFill>
+          <a:ln>
+            <a:solidFill>
+              <a:srgbClr val="BAB872">
+                <a:alpha val="49804"/>
+              </a:srgbClr>
+            </a:solidFill>
+          </a:ln>
+        </p:spPr>
+        <p:style>
+          <a:lnRef idx="2">
+            <a:schemeClr val="accent1">
+              <a:shade val="50000"/>
+            </a:schemeClr>
+          </a:lnRef>
+          <a:fillRef idx="1">
+            <a:schemeClr val="accent1"/>
+          </a:fillRef>
+          <a:effectRef idx="0">
+            <a:schemeClr val="accent1"/>
+          </a:effectRef>
+          <a:fontRef idx="minor">
+            <a:schemeClr val="lt1"/>
+          </a:fontRef>
+        </p:style>
+        <p:txBody>
+          <a:bodyPr rtlCol="0" anchor="ctr"/>
+          <a:lstStyle/>
+          <a:p>
+            <a:pPr algn="ctr"/>
+            <a:endParaRPr lang="en-CA">
+              <a:ln>
+                <a:solidFill>
+                  <a:srgbClr val="666633"/>
+                </a:solidFill>
+              </a:ln>
+            </a:endParaRPr>
+          </a:p>
+        </p:txBody>
+      </p:sp>
+      <p:sp>
+        <p:nvSpPr>
+          <p:cNvPr id="42" name="Flowchart: Connector 41"/>
+          <p:cNvSpPr/>
+          <p:nvPr/>
+        </p:nvSpPr>
+        <p:spPr>
+          <a:xfrm>
+            <a:off x="14225625" y="1197025"/>
+            <a:ext cx="99311" cy="111547"/>
+          </a:xfrm>
+          <a:prstGeom prst="flowChartConnector">
+            <a:avLst/>
+          </a:prstGeom>
+          <a:solidFill>
+            <a:srgbClr val="666633"/>
+          </a:solidFill>
+          <a:ln>
+            <a:solidFill>
+              <a:srgbClr val="BAB872">
+                <a:alpha val="49804"/>
+              </a:srgbClr>
+            </a:solidFill>
+          </a:ln>
+        </p:spPr>
+        <p:style>
+          <a:lnRef idx="2">
+            <a:schemeClr val="accent1">
+              <a:shade val="50000"/>
+            </a:schemeClr>
+          </a:lnRef>
+          <a:fillRef idx="1">
+            <a:schemeClr val="accent1"/>
+          </a:fillRef>
+          <a:effectRef idx="0">
+            <a:schemeClr val="accent1"/>
+          </a:effectRef>
+          <a:fontRef idx="minor">
+            <a:schemeClr val="lt1"/>
+          </a:fontRef>
+        </p:style>
+        <p:txBody>
+          <a:bodyPr rtlCol="0" anchor="ctr"/>
+          <a:lstStyle/>
+          <a:p>
+            <a:pPr algn="ctr"/>
+            <a:endParaRPr lang="en-CA">
+              <a:ln>
+                <a:solidFill>
+                  <a:srgbClr val="666633"/>
+                </a:solidFill>
+              </a:ln>
+            </a:endParaRPr>
+          </a:p>
+        </p:txBody>
+      </p:sp>
+      <p:sp>
+        <p:nvSpPr>
+          <p:cNvPr id="43" name="Flowchart: Connector 42"/>
+          <p:cNvSpPr/>
+          <p:nvPr/>
+        </p:nvSpPr>
+        <p:spPr>
+          <a:xfrm>
+            <a:off x="6780082" y="1173470"/>
+            <a:ext cx="99311" cy="111547"/>
+          </a:xfrm>
+          <a:prstGeom prst="flowChartConnector">
+            <a:avLst/>
+          </a:prstGeom>
+          <a:solidFill>
+            <a:srgbClr val="666633"/>
+          </a:solidFill>
+          <a:ln>
+            <a:solidFill>
+              <a:srgbClr val="BAB872">
+                <a:alpha val="49804"/>
+              </a:srgbClr>
+            </a:solidFill>
+          </a:ln>
+        </p:spPr>
+        <p:style>
+          <a:lnRef idx="2">
+            <a:schemeClr val="accent1">
+              <a:shade val="50000"/>
+            </a:schemeClr>
+          </a:lnRef>
+          <a:fillRef idx="1">
+            <a:schemeClr val="accent1"/>
+          </a:fillRef>
+          <a:effectRef idx="0">
+            <a:schemeClr val="accent1"/>
+          </a:effectRef>
+          <a:fontRef idx="minor">
+            <a:schemeClr val="lt1"/>
+          </a:fontRef>
+        </p:style>
+        <p:txBody>
+          <a:bodyPr rtlCol="0" anchor="ctr"/>
+          <a:lstStyle/>
+          <a:p>
+            <a:pPr algn="ctr"/>
+            <a:endParaRPr lang="en-CA">
+              <a:ln>
+                <a:solidFill>
+                  <a:srgbClr val="666633"/>
+                </a:solidFill>
+              </a:ln>
+            </a:endParaRPr>
+          </a:p>
+        </p:txBody>
+      </p:sp>
     </p:spTree>
     <p:extLst>
       <p:ext uri="{BB962C8B-B14F-4D97-AF65-F5344CB8AC3E}">
